--- a/SoC_期末報告.pptx
+++ b/SoC_期末報告.pptx
@@ -5,10 +5,10 @@
     <p:sldMasterId id="2147483648" r:id="rId1"/>
   </p:sldMasterIdLst>
   <p:notesMasterIdLst>
-    <p:notesMasterId r:id="rId9"/>
+    <p:notesMasterId r:id="rId10"/>
   </p:notesMasterIdLst>
   <p:handoutMasterIdLst>
-    <p:handoutMasterId r:id="rId10"/>
+    <p:handoutMasterId r:id="rId11"/>
   </p:handoutMasterIdLst>
   <p:sldIdLst>
     <p:sldId id="259" r:id="rId2"/>
@@ -18,6 +18,7 @@
     <p:sldId id="1401" r:id="rId6"/>
     <p:sldId id="1402" r:id="rId7"/>
     <p:sldId id="1403" r:id="rId8"/>
+    <p:sldId id="1404" r:id="rId9"/>
   </p:sldIdLst>
   <p:sldSz cx="12192000" cy="6858000"/>
   <p:notesSz cx="6858000" cy="9144000"/>
@@ -128,6 +129,7 @@
             <p14:sldId id="1401"/>
             <p14:sldId id="1402"/>
             <p14:sldId id="1403"/>
+            <p14:sldId id="1404"/>
           </p14:sldIdLst>
         </p14:section>
       </p14:sectionLst>
@@ -240,7 +242,7 @@
               <a:rPr lang="zh-TW" altLang="en-US" smtClean="0">
                 <a:ea typeface="標楷體" panose="03000509000000000000" pitchFamily="65" charset="-120"/>
               </a:rPr>
-              <a:t>2025/6/4</a:t>
+              <a:t>2025/6/11</a:t>
             </a:fld>
             <a:endParaRPr lang="zh-TW" altLang="en-US" dirty="0">
               <a:ea typeface="標楷體" panose="03000509000000000000" pitchFamily="65" charset="-120"/>
@@ -418,7 +420,7 @@
             <a:fld id="{2CB905C5-9D54-40E2-B40C-7996280CAB02}" type="datetimeFigureOut">
               <a:rPr lang="zh-TW" altLang="en-US" smtClean="0"/>
               <a:pPr/>
-              <a:t>2025/6/4</a:t>
+              <a:t>2025/6/11</a:t>
             </a:fld>
             <a:endParaRPr lang="zh-TW" altLang="en-US" dirty="0"/>
           </a:p>
@@ -1422,6 +1424,114 @@
 </p:notes>
 </file>
 
+<file path=ppt/notesSlides/notesSlide8.xml><?xml version="1.0" encoding="utf-8"?>
+<p:notes xmlns:a="http://schemas.openxmlformats.org/drawingml/2006/main" xmlns:r="http://schemas.openxmlformats.org/officeDocument/2006/relationships" xmlns:p="http://schemas.openxmlformats.org/presentationml/2006/main">
+  <p:cSld>
+    <p:spTree>
+      <p:nvGrpSpPr>
+        <p:cNvPr id="1" name="">
+          <a:extLst>
+            <a:ext uri="{FF2B5EF4-FFF2-40B4-BE49-F238E27FC236}">
+              <a16:creationId xmlns:a16="http://schemas.microsoft.com/office/drawing/2014/main" id="{3E0A3666-C230-9D34-C581-6B30CECAD38C}"/>
+            </a:ext>
+          </a:extLst>
+        </p:cNvPr>
+        <p:cNvGrpSpPr/>
+        <p:nvPr/>
+      </p:nvGrpSpPr>
+      <p:grpSpPr>
+        <a:xfrm>
+          <a:off x="0" y="0"/>
+          <a:ext cx="0" cy="0"/>
+          <a:chOff x="0" y="0"/>
+          <a:chExt cx="0" cy="0"/>
+        </a:xfrm>
+      </p:grpSpPr>
+      <p:sp>
+        <p:nvSpPr>
+          <p:cNvPr id="2" name="投影片圖像版面配置區 1">
+            <a:extLst>
+              <a:ext uri="{FF2B5EF4-FFF2-40B4-BE49-F238E27FC236}">
+                <a16:creationId xmlns:a16="http://schemas.microsoft.com/office/drawing/2014/main" id="{93DF9DA0-6ADA-3060-F6B1-C73D76D2F03A}"/>
+              </a:ext>
+            </a:extLst>
+          </p:cNvPr>
+          <p:cNvSpPr>
+            <a:spLocks noGrp="1" noRot="1" noChangeAspect="1"/>
+          </p:cNvSpPr>
+          <p:nvPr>
+            <p:ph type="sldImg"/>
+          </p:nvPr>
+        </p:nvSpPr>
+        <p:spPr/>
+      </p:sp>
+      <p:sp>
+        <p:nvSpPr>
+          <p:cNvPr id="3" name="備忘稿版面配置區 2">
+            <a:extLst>
+              <a:ext uri="{FF2B5EF4-FFF2-40B4-BE49-F238E27FC236}">
+                <a16:creationId xmlns:a16="http://schemas.microsoft.com/office/drawing/2014/main" id="{A19687F1-8A2C-9DA9-D1D3-BBB20575BB17}"/>
+              </a:ext>
+            </a:extLst>
+          </p:cNvPr>
+          <p:cNvSpPr>
+            <a:spLocks noGrp="1"/>
+          </p:cNvSpPr>
+          <p:nvPr>
+            <p:ph type="body" idx="1"/>
+          </p:nvPr>
+        </p:nvSpPr>
+        <p:spPr/>
+        <p:txBody>
+          <a:bodyPr/>
+          <a:lstStyle/>
+          <a:p>
+            <a:endParaRPr lang="zh-TW" altLang="en-US" dirty="0"/>
+          </a:p>
+        </p:txBody>
+      </p:sp>
+      <p:sp>
+        <p:nvSpPr>
+          <p:cNvPr id="4" name="投影片編號版面配置區 3">
+            <a:extLst>
+              <a:ext uri="{FF2B5EF4-FFF2-40B4-BE49-F238E27FC236}">
+                <a16:creationId xmlns:a16="http://schemas.microsoft.com/office/drawing/2014/main" id="{8D7AF823-7CAC-6431-85BB-A83A3699F37A}"/>
+              </a:ext>
+            </a:extLst>
+          </p:cNvPr>
+          <p:cNvSpPr>
+            <a:spLocks noGrp="1"/>
+          </p:cNvSpPr>
+          <p:nvPr>
+            <p:ph type="sldNum" sz="quarter" idx="10"/>
+          </p:nvPr>
+        </p:nvSpPr>
+        <p:spPr/>
+        <p:txBody>
+          <a:bodyPr/>
+          <a:lstStyle/>
+          <a:p>
+            <a:fld id="{EF8A6B0B-A5FB-4629-B823-69B1A9EB3A43}" type="slidenum">
+              <a:rPr lang="zh-TW" altLang="en-US" smtClean="0"/>
+              <a:t>8</a:t>
+            </a:fld>
+            <a:endParaRPr lang="zh-TW" altLang="en-US"/>
+          </a:p>
+        </p:txBody>
+      </p:sp>
+    </p:spTree>
+    <p:extLst>
+      <p:ext uri="{BB962C8B-B14F-4D97-AF65-F5344CB8AC3E}">
+        <p14:creationId xmlns:p14="http://schemas.microsoft.com/office/powerpoint/2010/main" val="4103250799"/>
+      </p:ext>
+    </p:extLst>
+  </p:cSld>
+  <p:clrMapOvr>
+    <a:masterClrMapping/>
+  </p:clrMapOvr>
+</p:notes>
+</file>
+
 <file path=ppt/slideLayouts/slideLayout1.xml><?xml version="1.0" encoding="utf-8"?>
 <p:sldLayout xmlns:a="http://schemas.openxmlformats.org/drawingml/2006/main" xmlns:r="http://schemas.openxmlformats.org/officeDocument/2006/relationships" xmlns:p="http://schemas.openxmlformats.org/presentationml/2006/main" type="title" preserve="1">
   <p:cSld name="標題投影片">
@@ -1556,7 +1666,7 @@
           <a:p>
             <a:fld id="{0C0CC965-A63A-473D-BEFB-C8F9714D5269}" type="datetimeFigureOut">
               <a:rPr lang="zh-TW" altLang="en-US" smtClean="0"/>
-              <a:t>2025/6/4</a:t>
+              <a:t>2025/6/11</a:t>
             </a:fld>
             <a:endParaRPr lang="zh-TW" altLang="en-US"/>
           </a:p>
@@ -1724,7 +1834,7 @@
           <a:p>
             <a:fld id="{0C0CC965-A63A-473D-BEFB-C8F9714D5269}" type="datetimeFigureOut">
               <a:rPr lang="zh-TW" altLang="en-US" smtClean="0"/>
-              <a:t>2025/6/4</a:t>
+              <a:t>2025/6/11</a:t>
             </a:fld>
             <a:endParaRPr lang="zh-TW" altLang="en-US"/>
           </a:p>
@@ -1902,7 +2012,7 @@
           <a:p>
             <a:fld id="{0C0CC965-A63A-473D-BEFB-C8F9714D5269}" type="datetimeFigureOut">
               <a:rPr lang="zh-TW" altLang="en-US" smtClean="0"/>
-              <a:t>2025/6/4</a:t>
+              <a:t>2025/6/11</a:t>
             </a:fld>
             <a:endParaRPr lang="zh-TW" altLang="en-US"/>
           </a:p>
@@ -2097,7 +2207,7 @@
           <a:p>
             <a:fld id="{0C0CC965-A63A-473D-BEFB-C8F9714D5269}" type="datetimeFigureOut">
               <a:rPr lang="zh-TW" altLang="en-US" smtClean="0"/>
-              <a:t>2025/6/4</a:t>
+              <a:t>2025/6/11</a:t>
             </a:fld>
             <a:endParaRPr lang="zh-TW" altLang="en-US"/>
           </a:p>
@@ -2342,7 +2452,7 @@
           <a:p>
             <a:fld id="{0C0CC965-A63A-473D-BEFB-C8F9714D5269}" type="datetimeFigureOut">
               <a:rPr lang="zh-TW" altLang="en-US" smtClean="0"/>
-              <a:t>2025/6/4</a:t>
+              <a:t>2025/6/11</a:t>
             </a:fld>
             <a:endParaRPr lang="zh-TW" altLang="en-US"/>
           </a:p>
@@ -2571,7 +2681,7 @@
           <a:p>
             <a:fld id="{0C0CC965-A63A-473D-BEFB-C8F9714D5269}" type="datetimeFigureOut">
               <a:rPr lang="zh-TW" altLang="en-US" smtClean="0"/>
-              <a:t>2025/6/4</a:t>
+              <a:t>2025/6/11</a:t>
             </a:fld>
             <a:endParaRPr lang="zh-TW" altLang="en-US"/>
           </a:p>
@@ -2935,7 +3045,7 @@
           <a:p>
             <a:fld id="{0C0CC965-A63A-473D-BEFB-C8F9714D5269}" type="datetimeFigureOut">
               <a:rPr lang="zh-TW" altLang="en-US" smtClean="0"/>
-              <a:t>2025/6/4</a:t>
+              <a:t>2025/6/11</a:t>
             </a:fld>
             <a:endParaRPr lang="zh-TW" altLang="en-US"/>
           </a:p>
@@ -3052,7 +3162,7 @@
           <a:p>
             <a:fld id="{0C0CC965-A63A-473D-BEFB-C8F9714D5269}" type="datetimeFigureOut">
               <a:rPr lang="zh-TW" altLang="en-US" smtClean="0"/>
-              <a:t>2025/6/4</a:t>
+              <a:t>2025/6/11</a:t>
             </a:fld>
             <a:endParaRPr lang="zh-TW" altLang="en-US"/>
           </a:p>
@@ -3147,7 +3257,7 @@
           <a:p>
             <a:fld id="{0C0CC965-A63A-473D-BEFB-C8F9714D5269}" type="datetimeFigureOut">
               <a:rPr lang="zh-TW" altLang="en-US" smtClean="0"/>
-              <a:t>2025/6/4</a:t>
+              <a:t>2025/6/11</a:t>
             </a:fld>
             <a:endParaRPr lang="zh-TW" altLang="en-US"/>
           </a:p>
@@ -3422,7 +3532,7 @@
           <a:p>
             <a:fld id="{0C0CC965-A63A-473D-BEFB-C8F9714D5269}" type="datetimeFigureOut">
               <a:rPr lang="zh-TW" altLang="en-US" smtClean="0"/>
-              <a:t>2025/6/4</a:t>
+              <a:t>2025/6/11</a:t>
             </a:fld>
             <a:endParaRPr lang="zh-TW" altLang="en-US"/>
           </a:p>
@@ -3674,7 +3784,7 @@
           <a:p>
             <a:fld id="{0C0CC965-A63A-473D-BEFB-C8F9714D5269}" type="datetimeFigureOut">
               <a:rPr lang="zh-TW" altLang="en-US" smtClean="0"/>
-              <a:t>2025/6/4</a:t>
+              <a:t>2025/6/11</a:t>
             </a:fld>
             <a:endParaRPr lang="zh-TW" altLang="en-US"/>
           </a:p>
@@ -3888,7 +3998,7 @@
             <a:fld id="{0C0CC965-A63A-473D-BEFB-C8F9714D5269}" type="datetimeFigureOut">
               <a:rPr lang="zh-TW" altLang="en-US" smtClean="0"/>
               <a:pPr/>
-              <a:t>2025/6/4</a:t>
+              <a:t>2025/6/11</a:t>
             </a:fld>
             <a:endParaRPr lang="zh-TW" altLang="en-US"/>
           </a:p>
@@ -4443,8 +4553,8 @@
         </p:nvSpPr>
         <p:spPr>
           <a:xfrm>
-            <a:off x="838200" y="3933825"/>
-            <a:ext cx="10515600" cy="2325461"/>
+            <a:off x="838200" y="4201593"/>
+            <a:ext cx="12743329" cy="2325461"/>
           </a:xfrm>
         </p:spPr>
         <p:txBody>
@@ -4456,14 +4566,14 @@
             <a:pPr algn="l"/>
             <a:r>
               <a:rPr lang="zh-TW" altLang="en-US" dirty="0"/>
-              <a:t>負  責  人：高啟恩、張昌暉、</a:t>
+              <a:t>負  責  人：高啟恩、張昌暉、王冠中</a:t>
             </a:r>
             <a:endParaRPr lang="en-US" altLang="zh-TW" dirty="0"/>
           </a:p>
           <a:p>
             <a:r>
               <a:rPr lang="zh-TW" altLang="en-US" dirty="0"/>
-              <a:t>目前成員：高啟恩、張昌暉</a:t>
+              <a:t>目前成員：高啟恩、張昌暉、王冠中</a:t>
             </a:r>
             <a:endParaRPr lang="en-US" altLang="zh-TW" dirty="0"/>
           </a:p>
@@ -4474,7 +4584,7 @@
             </a:r>
             <a:r>
               <a:rPr lang="en-US" altLang="zh-TW" dirty="0"/>
-              <a:t>2025/05/28</a:t>
+              <a:t>2025/06/11</a:t>
             </a:r>
           </a:p>
           <a:p>
@@ -7671,10 +7781,10 @@
       </p:sp>
       <p:pic>
         <p:nvPicPr>
-          <p:cNvPr id="10" name="圖片 9">
+          <p:cNvPr id="5" name="圖片 4">
             <a:extLst>
               <a:ext uri="{FF2B5EF4-FFF2-40B4-BE49-F238E27FC236}">
-                <a16:creationId xmlns:a16="http://schemas.microsoft.com/office/drawing/2014/main" id="{4075530F-63A6-4689-8ED1-6A09C9C9F9B0}"/>
+                <a16:creationId xmlns:a16="http://schemas.microsoft.com/office/drawing/2014/main" id="{6211EEF8-4422-4DCD-E8F6-82178608924E}"/>
               </a:ext>
             </a:extLst>
           </p:cNvPr>
@@ -7684,15 +7794,21 @@
           <p:nvPr/>
         </p:nvPicPr>
         <p:blipFill>
-          <a:blip r:embed="rId3"/>
+          <a:blip r:embed="rId3">
+            <a:extLst>
+              <a:ext uri="{28A0092B-C50C-407E-A947-70E740481C1C}">
+                <a14:useLocalDpi xmlns:a14="http://schemas.microsoft.com/office/drawing/2010/main" val="0"/>
+              </a:ext>
+            </a:extLst>
+          </a:blip>
           <a:stretch>
             <a:fillRect/>
           </a:stretch>
         </p:blipFill>
         <p:spPr>
           <a:xfrm>
-            <a:off x="1548181" y="1264081"/>
-            <a:ext cx="9024873" cy="4913313"/>
+            <a:off x="3090862" y="1566862"/>
+            <a:ext cx="6010275" cy="3724275"/>
           </a:xfrm>
           <a:prstGeom prst="rect">
             <a:avLst/>
@@ -7703,6 +7819,437 @@
     <p:extLst>
       <p:ext uri="{BB962C8B-B14F-4D97-AF65-F5344CB8AC3E}">
         <p14:creationId xmlns:p14="http://schemas.microsoft.com/office/powerpoint/2010/main" val="1127815183"/>
+      </p:ext>
+    </p:extLst>
+  </p:cSld>
+  <p:clrMapOvr>
+    <a:masterClrMapping/>
+  </p:clrMapOvr>
+</p:sld>
+</file>
+
+<file path=ppt/slides/slide8.xml><?xml version="1.0" encoding="utf-8"?>
+<p:sld xmlns:a="http://schemas.openxmlformats.org/drawingml/2006/main" xmlns:r="http://schemas.openxmlformats.org/officeDocument/2006/relationships" xmlns:p="http://schemas.openxmlformats.org/presentationml/2006/main">
+  <p:cSld>
+    <p:spTree>
+      <p:nvGrpSpPr>
+        <p:cNvPr id="1" name="">
+          <a:extLst>
+            <a:ext uri="{FF2B5EF4-FFF2-40B4-BE49-F238E27FC236}">
+              <a16:creationId xmlns:a16="http://schemas.microsoft.com/office/drawing/2014/main" id="{BFB53B11-18FC-D90D-7EFA-69EB2363D3BF}"/>
+            </a:ext>
+          </a:extLst>
+        </p:cNvPr>
+        <p:cNvGrpSpPr/>
+        <p:nvPr/>
+      </p:nvGrpSpPr>
+      <p:grpSpPr>
+        <a:xfrm>
+          <a:off x="0" y="0"/>
+          <a:ext cx="0" cy="0"/>
+          <a:chOff x="0" y="0"/>
+          <a:chExt cx="0" cy="0"/>
+        </a:xfrm>
+      </p:grpSpPr>
+      <p:sp>
+        <p:nvSpPr>
+          <p:cNvPr id="3" name="標題 2">
+            <a:extLst>
+              <a:ext uri="{FF2B5EF4-FFF2-40B4-BE49-F238E27FC236}">
+                <a16:creationId xmlns:a16="http://schemas.microsoft.com/office/drawing/2014/main" id="{A526AD20-F796-CDC7-A0F4-0AB6798660D6}"/>
+              </a:ext>
+            </a:extLst>
+          </p:cNvPr>
+          <p:cNvSpPr>
+            <a:spLocks noGrp="1"/>
+          </p:cNvSpPr>
+          <p:nvPr>
+            <p:ph type="title"/>
+          </p:nvPr>
+        </p:nvSpPr>
+        <p:spPr>
+          <a:xfrm>
+            <a:off x="838200" y="365125"/>
+            <a:ext cx="10515600" cy="720000"/>
+          </a:xfrm>
+        </p:spPr>
+        <p:txBody>
+          <a:bodyPr/>
+          <a:lstStyle/>
+          <a:p>
+            <a:r>
+              <a:rPr lang="en-US" altLang="zh-TW" dirty="0"/>
+              <a:t>API</a:t>
+            </a:r>
+            <a:endParaRPr lang="zh-TW" altLang="en-US" dirty="0"/>
+          </a:p>
+        </p:txBody>
+      </p:sp>
+      <p:sp>
+        <p:nvSpPr>
+          <p:cNvPr id="4" name="內容版面配置區 1">
+            <a:extLst>
+              <a:ext uri="{FF2B5EF4-FFF2-40B4-BE49-F238E27FC236}">
+                <a16:creationId xmlns:a16="http://schemas.microsoft.com/office/drawing/2014/main" id="{CE53F48C-2EB7-9FE7-45B6-BE7191470D9A}"/>
+              </a:ext>
+            </a:extLst>
+          </p:cNvPr>
+          <p:cNvSpPr txBox="1">
+            <a:spLocks/>
+          </p:cNvSpPr>
+          <p:nvPr/>
+        </p:nvSpPr>
+        <p:spPr>
+          <a:xfrm>
+            <a:off x="838198" y="1201850"/>
+            <a:ext cx="10300857" cy="5037776"/>
+          </a:xfrm>
+          <a:prstGeom prst="rect">
+            <a:avLst/>
+          </a:prstGeom>
+        </p:spPr>
+        <p:txBody>
+          <a:bodyPr vert="horz" lIns="91440" tIns="45720" rIns="91440" bIns="45720" numCol="2" rtlCol="0">
+            <a:normAutofit/>
+          </a:bodyPr>
+          <a:lstStyle>
+            <a:lvl1pPr marL="144000" indent="-144000" algn="l" defTabSz="914400" rtl="0" eaLnBrk="1" latinLnBrk="0" hangingPunct="0">
+              <a:lnSpc>
+                <a:spcPct val="90000"/>
+              </a:lnSpc>
+              <a:spcBef>
+                <a:spcPts val="300"/>
+              </a:spcBef>
+              <a:buFont typeface="Arial" panose="020B0604020202020204" pitchFamily="34" charset="0"/>
+              <a:buChar char="•"/>
+              <a:defRPr sz="1600" kern="1200" baseline="0">
+                <a:solidFill>
+                  <a:schemeClr val="tx1"/>
+                </a:solidFill>
+                <a:latin typeface="Times New Roman" panose="02020603050405020304" pitchFamily="18" charset="0"/>
+                <a:ea typeface="標楷體" panose="03000509000000000000" pitchFamily="65" charset="-120"/>
+                <a:cs typeface="+mn-cs"/>
+              </a:defRPr>
+            </a:lvl1pPr>
+            <a:lvl2pPr marL="685800" indent="-228600" algn="l" defTabSz="914400" rtl="0" eaLnBrk="1" latinLnBrk="0" hangingPunct="0">
+              <a:lnSpc>
+                <a:spcPct val="90000"/>
+              </a:lnSpc>
+              <a:spcBef>
+                <a:spcPts val="300"/>
+              </a:spcBef>
+              <a:buFont typeface="Arial" panose="020B0604020202020204" pitchFamily="34" charset="0"/>
+              <a:buChar char="•"/>
+              <a:defRPr sz="1600" kern="1200" baseline="0">
+                <a:solidFill>
+                  <a:schemeClr val="tx1"/>
+                </a:solidFill>
+                <a:latin typeface="Times New Roman" panose="02020603050405020304" pitchFamily="18" charset="0"/>
+                <a:ea typeface="標楷體" panose="03000509000000000000" pitchFamily="65" charset="-120"/>
+                <a:cs typeface="+mn-cs"/>
+              </a:defRPr>
+            </a:lvl2pPr>
+            <a:lvl3pPr marL="1143000" indent="-228600" algn="l" defTabSz="914400" rtl="0" eaLnBrk="1" latinLnBrk="0" hangingPunct="0">
+              <a:lnSpc>
+                <a:spcPct val="90000"/>
+              </a:lnSpc>
+              <a:spcBef>
+                <a:spcPts val="300"/>
+              </a:spcBef>
+              <a:buFont typeface="Arial" panose="020B0604020202020204" pitchFamily="34" charset="0"/>
+              <a:buChar char="•"/>
+              <a:defRPr sz="1600" kern="1200" baseline="0">
+                <a:solidFill>
+                  <a:schemeClr val="tx1"/>
+                </a:solidFill>
+                <a:latin typeface="Times New Roman" panose="02020603050405020304" pitchFamily="18" charset="0"/>
+                <a:ea typeface="標楷體" panose="03000509000000000000" pitchFamily="65" charset="-120"/>
+                <a:cs typeface="+mn-cs"/>
+              </a:defRPr>
+            </a:lvl3pPr>
+            <a:lvl4pPr marL="1600200" indent="-228600" algn="l" defTabSz="914400" rtl="0" eaLnBrk="1" latinLnBrk="0" hangingPunct="0">
+              <a:lnSpc>
+                <a:spcPct val="90000"/>
+              </a:lnSpc>
+              <a:spcBef>
+                <a:spcPts val="300"/>
+              </a:spcBef>
+              <a:buFont typeface="Arial" panose="020B0604020202020204" pitchFamily="34" charset="0"/>
+              <a:buChar char="•"/>
+              <a:defRPr sz="1600" kern="1200" baseline="0">
+                <a:solidFill>
+                  <a:schemeClr val="tx1"/>
+                </a:solidFill>
+                <a:latin typeface="Times New Roman" panose="02020603050405020304" pitchFamily="18" charset="0"/>
+                <a:ea typeface="標楷體" panose="03000509000000000000" pitchFamily="65" charset="-120"/>
+                <a:cs typeface="+mn-cs"/>
+              </a:defRPr>
+            </a:lvl4pPr>
+            <a:lvl5pPr marL="2057400" indent="-228600" algn="l" defTabSz="914400" rtl="0" eaLnBrk="1" latinLnBrk="0" hangingPunct="0">
+              <a:lnSpc>
+                <a:spcPct val="90000"/>
+              </a:lnSpc>
+              <a:spcBef>
+                <a:spcPts val="300"/>
+              </a:spcBef>
+              <a:buFont typeface="Arial" panose="020B0604020202020204" pitchFamily="34" charset="0"/>
+              <a:buChar char="•"/>
+              <a:defRPr sz="1600" kern="1200" baseline="0">
+                <a:solidFill>
+                  <a:schemeClr val="tx1"/>
+                </a:solidFill>
+                <a:latin typeface="Times New Roman" panose="02020603050405020304" pitchFamily="18" charset="0"/>
+                <a:ea typeface="標楷體" panose="03000509000000000000" pitchFamily="65" charset="-120"/>
+                <a:cs typeface="+mn-cs"/>
+              </a:defRPr>
+            </a:lvl5pPr>
+            <a:lvl6pPr marL="2514600" indent="-228600" algn="l" defTabSz="914400" rtl="0" eaLnBrk="1" latinLnBrk="0" hangingPunct="1">
+              <a:lnSpc>
+                <a:spcPct val="90000"/>
+              </a:lnSpc>
+              <a:spcBef>
+                <a:spcPts val="500"/>
+              </a:spcBef>
+              <a:buFont typeface="Arial" panose="020B0604020202020204" pitchFamily="34" charset="0"/>
+              <a:buChar char="•"/>
+              <a:defRPr sz="1800" kern="1200">
+                <a:solidFill>
+                  <a:schemeClr val="tx1"/>
+                </a:solidFill>
+                <a:latin typeface="+mn-lt"/>
+                <a:ea typeface="+mn-ea"/>
+                <a:cs typeface="+mn-cs"/>
+              </a:defRPr>
+            </a:lvl6pPr>
+            <a:lvl7pPr marL="2971800" indent="-228600" algn="l" defTabSz="914400" rtl="0" eaLnBrk="1" latinLnBrk="0" hangingPunct="1">
+              <a:lnSpc>
+                <a:spcPct val="90000"/>
+              </a:lnSpc>
+              <a:spcBef>
+                <a:spcPts val="500"/>
+              </a:spcBef>
+              <a:buFont typeface="Arial" panose="020B0604020202020204" pitchFamily="34" charset="0"/>
+              <a:buChar char="•"/>
+              <a:defRPr sz="1800" kern="1200">
+                <a:solidFill>
+                  <a:schemeClr val="tx1"/>
+                </a:solidFill>
+                <a:latin typeface="+mn-lt"/>
+                <a:ea typeface="+mn-ea"/>
+                <a:cs typeface="+mn-cs"/>
+              </a:defRPr>
+            </a:lvl7pPr>
+            <a:lvl8pPr marL="3429000" indent="-228600" algn="l" defTabSz="914400" rtl="0" eaLnBrk="1" latinLnBrk="0" hangingPunct="1">
+              <a:lnSpc>
+                <a:spcPct val="90000"/>
+              </a:lnSpc>
+              <a:spcBef>
+                <a:spcPts val="500"/>
+              </a:spcBef>
+              <a:buFont typeface="Arial" panose="020B0604020202020204" pitchFamily="34" charset="0"/>
+              <a:buChar char="•"/>
+              <a:defRPr sz="1800" kern="1200">
+                <a:solidFill>
+                  <a:schemeClr val="tx1"/>
+                </a:solidFill>
+                <a:latin typeface="+mn-lt"/>
+                <a:ea typeface="+mn-ea"/>
+                <a:cs typeface="+mn-cs"/>
+              </a:defRPr>
+            </a:lvl8pPr>
+            <a:lvl9pPr marL="3886200" indent="-228600" algn="l" defTabSz="914400" rtl="0" eaLnBrk="1" latinLnBrk="0" hangingPunct="1">
+              <a:lnSpc>
+                <a:spcPct val="90000"/>
+              </a:lnSpc>
+              <a:spcBef>
+                <a:spcPts val="500"/>
+              </a:spcBef>
+              <a:buFont typeface="Arial" panose="020B0604020202020204" pitchFamily="34" charset="0"/>
+              <a:buChar char="•"/>
+              <a:defRPr sz="1800" kern="1200">
+                <a:solidFill>
+                  <a:schemeClr val="tx1"/>
+                </a:solidFill>
+                <a:latin typeface="+mn-lt"/>
+                <a:ea typeface="+mn-ea"/>
+                <a:cs typeface="+mn-cs"/>
+              </a:defRPr>
+            </a:lvl9pPr>
+          </a:lstStyle>
+          <a:p>
+            <a:pPr marL="0" indent="0">
+              <a:buNone/>
+            </a:pPr>
+            <a:endParaRPr lang="en-US" altLang="zh-TW"/>
+          </a:p>
+          <a:p>
+            <a:pPr marL="0" indent="0">
+              <a:buNone/>
+            </a:pPr>
+            <a:endParaRPr lang="en-US" altLang="zh-TW" b="1"/>
+          </a:p>
+          <a:p>
+            <a:pPr marL="0" indent="0">
+              <a:buNone/>
+            </a:pPr>
+            <a:endParaRPr lang="en-US" altLang="zh-TW" b="1">
+              <a:solidFill>
+                <a:srgbClr val="FF0000"/>
+              </a:solidFill>
+            </a:endParaRPr>
+          </a:p>
+          <a:p>
+            <a:pPr marL="0" indent="0">
+              <a:buNone/>
+            </a:pPr>
+            <a:endParaRPr lang="en-US" altLang="zh-TW" b="1"/>
+          </a:p>
+          <a:p>
+            <a:endParaRPr lang="en-US" altLang="zh-TW" b="1">
+              <a:solidFill>
+                <a:srgbClr val="FF0000"/>
+              </a:solidFill>
+            </a:endParaRPr>
+          </a:p>
+          <a:p>
+            <a:pPr marL="0" indent="0">
+              <a:buNone/>
+            </a:pPr>
+            <a:endParaRPr lang="en-US" altLang="zh-TW" b="1">
+              <a:solidFill>
+                <a:srgbClr val="FF0000"/>
+              </a:solidFill>
+            </a:endParaRPr>
+          </a:p>
+          <a:p>
+            <a:endParaRPr lang="en-US" altLang="zh-TW" b="1">
+              <a:solidFill>
+                <a:srgbClr val="FF0000"/>
+              </a:solidFill>
+            </a:endParaRPr>
+          </a:p>
+          <a:p>
+            <a:endParaRPr lang="en-US" altLang="zh-TW" b="1">
+              <a:solidFill>
+                <a:srgbClr val="FF0000"/>
+              </a:solidFill>
+            </a:endParaRPr>
+          </a:p>
+          <a:p>
+            <a:endParaRPr lang="en-US" altLang="zh-TW" b="1">
+              <a:solidFill>
+                <a:srgbClr val="FF0000"/>
+              </a:solidFill>
+            </a:endParaRPr>
+          </a:p>
+          <a:p>
+            <a:pPr marL="0" indent="0">
+              <a:buNone/>
+            </a:pPr>
+            <a:endParaRPr lang="en-US" altLang="zh-TW" b="1">
+              <a:solidFill>
+                <a:srgbClr val="FF0000"/>
+              </a:solidFill>
+            </a:endParaRPr>
+          </a:p>
+          <a:p>
+            <a:pPr marL="0" indent="0">
+              <a:buNone/>
+            </a:pPr>
+            <a:endParaRPr lang="en-US" altLang="zh-TW" b="1">
+              <a:solidFill>
+                <a:srgbClr val="FF0000"/>
+              </a:solidFill>
+            </a:endParaRPr>
+          </a:p>
+          <a:p>
+            <a:pPr marL="0" indent="0">
+              <a:buNone/>
+            </a:pPr>
+            <a:endParaRPr lang="en-US" altLang="zh-TW" b="1">
+              <a:solidFill>
+                <a:srgbClr val="FF0000"/>
+              </a:solidFill>
+            </a:endParaRPr>
+          </a:p>
+          <a:p>
+            <a:pPr marL="0" indent="0">
+              <a:buNone/>
+            </a:pPr>
+            <a:endParaRPr lang="en-US" altLang="zh-TW" b="1">
+              <a:solidFill>
+                <a:srgbClr val="FF0000"/>
+              </a:solidFill>
+            </a:endParaRPr>
+          </a:p>
+          <a:p>
+            <a:pPr marL="0" lvl="1" indent="0">
+              <a:buNone/>
+            </a:pPr>
+            <a:endParaRPr lang="en-US" altLang="zh-TW">
+              <a:solidFill>
+                <a:srgbClr val="FF0000"/>
+              </a:solidFill>
+            </a:endParaRPr>
+          </a:p>
+          <a:p>
+            <a:pPr marL="0" lvl="1" indent="0">
+              <a:buNone/>
+            </a:pPr>
+            <a:endParaRPr lang="en-US" altLang="zh-TW">
+              <a:solidFill>
+                <a:srgbClr val="FF0000"/>
+              </a:solidFill>
+            </a:endParaRPr>
+          </a:p>
+          <a:p>
+            <a:pPr marL="0" lvl="1" indent="0">
+              <a:buNone/>
+            </a:pPr>
+            <a:endParaRPr lang="en-US" altLang="zh-TW" dirty="0"/>
+          </a:p>
+        </p:txBody>
+      </p:sp>
+      <p:pic>
+        <p:nvPicPr>
+          <p:cNvPr id="7" name="圖片 6">
+            <a:extLst>
+              <a:ext uri="{FF2B5EF4-FFF2-40B4-BE49-F238E27FC236}">
+                <a16:creationId xmlns:a16="http://schemas.microsoft.com/office/drawing/2014/main" id="{8E968074-3408-AC83-7AC3-F8EF9CD78739}"/>
+              </a:ext>
+            </a:extLst>
+          </p:cNvPr>
+          <p:cNvPicPr>
+            <a:picLocks noChangeAspect="1"/>
+          </p:cNvPicPr>
+          <p:nvPr/>
+        </p:nvPicPr>
+        <p:blipFill>
+          <a:blip r:embed="rId3">
+            <a:extLst>
+              <a:ext uri="{28A0092B-C50C-407E-A947-70E740481C1C}">
+                <a14:useLocalDpi xmlns:a14="http://schemas.microsoft.com/office/drawing/2010/main" val="0"/>
+              </a:ext>
+            </a:extLst>
+          </a:blip>
+          <a:stretch>
+            <a:fillRect/>
+          </a:stretch>
+        </p:blipFill>
+        <p:spPr>
+          <a:xfrm>
+            <a:off x="3180509" y="1858600"/>
+            <a:ext cx="6010275" cy="3724275"/>
+          </a:xfrm>
+          <a:prstGeom prst="rect">
+            <a:avLst/>
+          </a:prstGeom>
+        </p:spPr>
+      </p:pic>
+    </p:spTree>
+    <p:extLst>
+      <p:ext uri="{BB962C8B-B14F-4D97-AF65-F5344CB8AC3E}">
+        <p14:creationId xmlns:p14="http://schemas.microsoft.com/office/powerpoint/2010/main" val="3207759559"/>
       </p:ext>
     </p:extLst>
   </p:cSld>

--- a/SoC_期末報告.pptx
+++ b/SoC_期末報告.pptx
@@ -4688,68 +4688,27 @@
           </a:bodyPr>
           <a:lstStyle/>
           <a:p>
+            <a:pPr algn="ctr"/>
             <a:r>
               <a:rPr lang="zh-TW" altLang="en-US" sz="3200" b="1" dirty="0">
                 <a:latin typeface="標楷體" panose="03000509000000000000" pitchFamily="65" charset="-120"/>
                 <a:ea typeface="標楷體" panose="03000509000000000000" pitchFamily="65" charset="-120"/>
               </a:rPr>
-              <a:t>用</a:t>
+              <a:t>自訂</a:t>
             </a:r>
             <a:r>
               <a:rPr lang="en-US" altLang="zh-TW" sz="3200" b="1" dirty="0">
                 <a:latin typeface="標楷體" panose="03000509000000000000" pitchFamily="65" charset="-120"/>
                 <a:ea typeface="標楷體" panose="03000509000000000000" pitchFamily="65" charset="-120"/>
               </a:rPr>
-              <a:t>PS</a:t>
+              <a:t>I²S</a:t>
             </a:r>
             <a:r>
               <a:rPr lang="zh-TW" altLang="en-US" sz="3200" b="1" dirty="0">
                 <a:latin typeface="標楷體" panose="03000509000000000000" pitchFamily="65" charset="-120"/>
                 <a:ea typeface="標楷體" panose="03000509000000000000" pitchFamily="65" charset="-120"/>
               </a:rPr>
-              <a:t>內建</a:t>
-            </a:r>
-            <a:r>
-              <a:rPr lang="en-US" altLang="zh-TW" sz="3200" b="1" dirty="0">
-                <a:latin typeface="標楷體" panose="03000509000000000000" pitchFamily="65" charset="-120"/>
-                <a:ea typeface="標楷體" panose="03000509000000000000" pitchFamily="65" charset="-120"/>
-              </a:rPr>
-              <a:t>SPI</a:t>
-            </a:r>
-            <a:r>
-              <a:rPr lang="zh-TW" altLang="en-US" sz="3200" b="1" dirty="0">
-                <a:latin typeface="標楷體" panose="03000509000000000000" pitchFamily="65" charset="-120"/>
-                <a:ea typeface="標楷體" panose="03000509000000000000" pitchFamily="65" charset="-120"/>
-              </a:rPr>
-              <a:t> </a:t>
-            </a:r>
-            <a:r>
-              <a:rPr lang="en-US" altLang="zh-TW" sz="3200" b="1" dirty="0">
-                <a:latin typeface="標楷體" panose="03000509000000000000" pitchFamily="65" charset="-120"/>
-                <a:ea typeface="標楷體" panose="03000509000000000000" pitchFamily="65" charset="-120"/>
-              </a:rPr>
-              <a:t>IP</a:t>
-            </a:r>
-            <a:r>
-              <a:rPr lang="zh-TW" altLang="en-US" sz="3200" b="1" dirty="0">
-                <a:latin typeface="標楷體" panose="03000509000000000000" pitchFamily="65" charset="-120"/>
-                <a:ea typeface="標楷體" panose="03000509000000000000" pitchFamily="65" charset="-120"/>
-              </a:rPr>
-              <a:t>結合</a:t>
-            </a:r>
-            <a:r>
-              <a:rPr lang="en-US" altLang="zh-TW" sz="3200" b="1" dirty="0">
-                <a:latin typeface="標楷體" panose="03000509000000000000" pitchFamily="65" charset="-120"/>
-                <a:ea typeface="標楷體" panose="03000509000000000000" pitchFamily="65" charset="-120"/>
-              </a:rPr>
-              <a:t>Linux driver</a:t>
-            </a:r>
-            <a:r>
-              <a:rPr lang="zh-TW" altLang="en-US" sz="3200" b="1" dirty="0">
-                <a:latin typeface="標楷體" panose="03000509000000000000" pitchFamily="65" charset="-120"/>
-                <a:ea typeface="標楷體" panose="03000509000000000000" pitchFamily="65" charset="-120"/>
-              </a:rPr>
-              <a:t>讀取感測器數值</a:t>
+              <a:t>讀取麥克風數值</a:t>
             </a:r>
           </a:p>
         </p:txBody>
@@ -5216,7 +5175,21 @@
                 <a:latin typeface="標楷體" panose="03000509000000000000" pitchFamily="65" charset="-120"/>
                 <a:ea typeface="標楷體" panose="03000509000000000000" pitchFamily="65" charset="-120"/>
               </a:rPr>
-              <a:t>SPI</a:t>
+              <a:t>I</a:t>
+            </a:r>
+            <a:r>
+              <a:rPr lang="en-US" altLang="zh-TW" baseline="30000" dirty="0">
+                <a:latin typeface="標楷體" panose="03000509000000000000" pitchFamily="65" charset="-120"/>
+                <a:ea typeface="標楷體" panose="03000509000000000000" pitchFamily="65" charset="-120"/>
+              </a:rPr>
+              <a:t>2</a:t>
+            </a:r>
+            <a:r>
+              <a:rPr lang="en-US" altLang="zh-TW" dirty="0">
+                <a:latin typeface="標楷體" panose="03000509000000000000" pitchFamily="65" charset="-120"/>
+                <a:ea typeface="標楷體" panose="03000509000000000000" pitchFamily="65" charset="-120"/>
+              </a:rPr>
+              <a:t>C</a:t>
             </a:r>
             <a:r>
               <a:rPr lang="zh-TW" altLang="en-US" dirty="0">
@@ -5258,14 +5231,42 @@
                 <a:latin typeface="標楷體" panose="03000509000000000000" pitchFamily="65" charset="-120"/>
                 <a:ea typeface="標楷體" panose="03000509000000000000" pitchFamily="65" charset="-120"/>
               </a:rPr>
-              <a:t>SPI slave</a:t>
+              <a:t>I</a:t>
+            </a:r>
+            <a:r>
+              <a:rPr lang="en-US" altLang="zh-TW" baseline="30000" dirty="0">
+                <a:latin typeface="標楷體" panose="03000509000000000000" pitchFamily="65" charset="-120"/>
+                <a:ea typeface="標楷體" panose="03000509000000000000" pitchFamily="65" charset="-120"/>
+              </a:rPr>
+              <a:t>2</a:t>
+            </a:r>
+            <a:r>
+              <a:rPr lang="en-US" altLang="zh-TW" dirty="0">
+                <a:latin typeface="標楷體" panose="03000509000000000000" pitchFamily="65" charset="-120"/>
+                <a:ea typeface="標楷體" panose="03000509000000000000" pitchFamily="65" charset="-120"/>
+              </a:rPr>
+              <a:t>S</a:t>
             </a:r>
             <a:r>
               <a:rPr lang="zh-TW" altLang="en-US" dirty="0">
                 <a:latin typeface="標楷體" panose="03000509000000000000" pitchFamily="65" charset="-120"/>
                 <a:ea typeface="標楷體" panose="03000509000000000000" pitchFamily="65" charset="-120"/>
               </a:rPr>
-              <a:t>濕度感測器資料由 </a:t>
+              <a:t> </a:t>
+            </a:r>
+            <a:r>
+              <a:rPr lang="en-US" altLang="zh-TW" dirty="0">
+                <a:latin typeface="標楷體" panose="03000509000000000000" pitchFamily="65" charset="-120"/>
+                <a:ea typeface="標楷體" panose="03000509000000000000" pitchFamily="65" charset="-120"/>
+              </a:rPr>
+              <a:t>slave</a:t>
+            </a:r>
+            <a:r>
+              <a:rPr lang="zh-TW" altLang="en-US" dirty="0">
+                <a:latin typeface="標楷體" panose="03000509000000000000" pitchFamily="65" charset="-120"/>
+                <a:ea typeface="標楷體" panose="03000509000000000000" pitchFamily="65" charset="-120"/>
+              </a:rPr>
+              <a:t>麥克風感測器資料由 </a:t>
             </a:r>
             <a:r>
               <a:rPr lang="en-US" altLang="zh-TW" dirty="0">
@@ -8210,42 +8211,6 @@
           </a:p>
         </p:txBody>
       </p:sp>
-      <p:pic>
-        <p:nvPicPr>
-          <p:cNvPr id="7" name="圖片 6">
-            <a:extLst>
-              <a:ext uri="{FF2B5EF4-FFF2-40B4-BE49-F238E27FC236}">
-                <a16:creationId xmlns:a16="http://schemas.microsoft.com/office/drawing/2014/main" id="{8E968074-3408-AC83-7AC3-F8EF9CD78739}"/>
-              </a:ext>
-            </a:extLst>
-          </p:cNvPr>
-          <p:cNvPicPr>
-            <a:picLocks noChangeAspect="1"/>
-          </p:cNvPicPr>
-          <p:nvPr/>
-        </p:nvPicPr>
-        <p:blipFill>
-          <a:blip r:embed="rId3">
-            <a:extLst>
-              <a:ext uri="{28A0092B-C50C-407E-A947-70E740481C1C}">
-                <a14:useLocalDpi xmlns:a14="http://schemas.microsoft.com/office/drawing/2010/main" val="0"/>
-              </a:ext>
-            </a:extLst>
-          </a:blip>
-          <a:stretch>
-            <a:fillRect/>
-          </a:stretch>
-        </p:blipFill>
-        <p:spPr>
-          <a:xfrm>
-            <a:off x="3180509" y="1858600"/>
-            <a:ext cx="6010275" cy="3724275"/>
-          </a:xfrm>
-          <a:prstGeom prst="rect">
-            <a:avLst/>
-          </a:prstGeom>
-        </p:spPr>
-      </p:pic>
     </p:spTree>
     <p:extLst>
       <p:ext uri="{BB962C8B-B14F-4D97-AF65-F5344CB8AC3E}">
